--- a/Slides/1_Welcome.pptx
+++ b/Slides/1_Welcome.pptx
@@ -5,20 +5,24 @@
     <p:sldMasterId id="2147483648" r:id="rId1"/>
   </p:sldMasterIdLst>
   <p:notesMasterIdLst>
-    <p:notesMasterId r:id="rId13"/>
+    <p:notesMasterId r:id="rId17"/>
   </p:notesMasterIdLst>
   <p:sldIdLst>
     <p:sldId id="256" r:id="rId2"/>
     <p:sldId id="257" r:id="rId3"/>
     <p:sldId id="264" r:id="rId4"/>
-    <p:sldId id="262" r:id="rId5"/>
-    <p:sldId id="263" r:id="rId6"/>
-    <p:sldId id="258" r:id="rId7"/>
-    <p:sldId id="259" r:id="rId8"/>
-    <p:sldId id="261" r:id="rId9"/>
-    <p:sldId id="265" r:id="rId10"/>
-    <p:sldId id="266" r:id="rId11"/>
-    <p:sldId id="260" r:id="rId12"/>
+    <p:sldId id="301" r:id="rId5"/>
+    <p:sldId id="262" r:id="rId6"/>
+    <p:sldId id="263" r:id="rId7"/>
+    <p:sldId id="258" r:id="rId8"/>
+    <p:sldId id="259" r:id="rId9"/>
+    <p:sldId id="261" r:id="rId10"/>
+    <p:sldId id="265" r:id="rId11"/>
+    <p:sldId id="266" r:id="rId12"/>
+    <p:sldId id="267" r:id="rId13"/>
+    <p:sldId id="260" r:id="rId14"/>
+    <p:sldId id="269" r:id="rId15"/>
+    <p:sldId id="268" r:id="rId16"/>
   </p:sldIdLst>
   <p:sldSz cx="12192000" cy="6858000"/>
   <p:notesSz cx="6858000" cy="9144000"/>
@@ -117,6 +121,11 @@
       </a:defRPr>
     </a:lvl9pPr>
   </p:defaultTextStyle>
+  <p:extLst>
+    <p:ext uri="{EFAFB233-063F-42B5-8137-9DF3F51BA10A}">
+      <p15:sldGuideLst xmlns:p15="http://schemas.microsoft.com/office/powerpoint/2012/main"/>
+    </p:ext>
+  </p:extLst>
 </p:presentation>
 </file>
 
@@ -202,7 +211,7 @@
           <a:p>
             <a:fld id="{BAB20A63-D2BA-4FAD-8FDA-595F3302631D}" type="datetimeFigureOut">
               <a:rPr lang="en-US" smtClean="0"/>
-              <a:t>7/26/2021</a:t>
+              <a:t>8/18/2021</a:t>
             </a:fld>
             <a:endParaRPr lang="en-US"/>
           </a:p>
@@ -703,7 +712,7 @@
           <a:p>
             <a:fld id="{A3FD3C2E-BA87-4955-BF54-308F6A2E8D47}" type="datetimeFigureOut">
               <a:rPr lang="en-US" smtClean="0"/>
-              <a:t>7/19/2021</a:t>
+              <a:t>8/18/2021</a:t>
             </a:fld>
             <a:endParaRPr lang="en-US"/>
           </a:p>
@@ -901,7 +910,7 @@
           <a:p>
             <a:fld id="{A3FD3C2E-BA87-4955-BF54-308F6A2E8D47}" type="datetimeFigureOut">
               <a:rPr lang="en-US" smtClean="0"/>
-              <a:t>7/19/2021</a:t>
+              <a:t>8/18/2021</a:t>
             </a:fld>
             <a:endParaRPr lang="en-US"/>
           </a:p>
@@ -1109,7 +1118,7 @@
           <a:p>
             <a:fld id="{A3FD3C2E-BA87-4955-BF54-308F6A2E8D47}" type="datetimeFigureOut">
               <a:rPr lang="en-US" smtClean="0"/>
-              <a:t>7/19/2021</a:t>
+              <a:t>8/18/2021</a:t>
             </a:fld>
             <a:endParaRPr lang="en-US"/>
           </a:p>
@@ -1564,7 +1573,7 @@
           <a:p>
             <a:fld id="{A3FD3C2E-BA87-4955-BF54-308F6A2E8D47}" type="datetimeFigureOut">
               <a:rPr lang="en-US" smtClean="0"/>
-              <a:t>7/19/2021</a:t>
+              <a:t>8/18/2021</a:t>
             </a:fld>
             <a:endParaRPr lang="en-US"/>
           </a:p>
@@ -1839,7 +1848,7 @@
           <a:p>
             <a:fld id="{A3FD3C2E-BA87-4955-BF54-308F6A2E8D47}" type="datetimeFigureOut">
               <a:rPr lang="en-US" smtClean="0"/>
-              <a:t>7/19/2021</a:t>
+              <a:t>8/18/2021</a:t>
             </a:fld>
             <a:endParaRPr lang="en-US"/>
           </a:p>
@@ -2104,7 +2113,7 @@
           <a:p>
             <a:fld id="{A3FD3C2E-BA87-4955-BF54-308F6A2E8D47}" type="datetimeFigureOut">
               <a:rPr lang="en-US" smtClean="0"/>
-              <a:t>7/19/2021</a:t>
+              <a:t>8/18/2021</a:t>
             </a:fld>
             <a:endParaRPr lang="en-US"/>
           </a:p>
@@ -2516,7 +2525,7 @@
           <a:p>
             <a:fld id="{A3FD3C2E-BA87-4955-BF54-308F6A2E8D47}" type="datetimeFigureOut">
               <a:rPr lang="en-US" smtClean="0"/>
-              <a:t>7/19/2021</a:t>
+              <a:t>8/18/2021</a:t>
             </a:fld>
             <a:endParaRPr lang="en-US"/>
           </a:p>
@@ -2657,7 +2666,7 @@
           <a:p>
             <a:fld id="{A3FD3C2E-BA87-4955-BF54-308F6A2E8D47}" type="datetimeFigureOut">
               <a:rPr lang="en-US" smtClean="0"/>
-              <a:t>7/19/2021</a:t>
+              <a:t>8/18/2021</a:t>
             </a:fld>
             <a:endParaRPr lang="en-US"/>
           </a:p>
@@ -2770,7 +2779,7 @@
           <a:p>
             <a:fld id="{A3FD3C2E-BA87-4955-BF54-308F6A2E8D47}" type="datetimeFigureOut">
               <a:rPr lang="en-US" smtClean="0"/>
-              <a:t>7/19/2021</a:t>
+              <a:t>8/18/2021</a:t>
             </a:fld>
             <a:endParaRPr lang="en-US"/>
           </a:p>
@@ -3081,7 +3090,7 @@
           <a:p>
             <a:fld id="{A3FD3C2E-BA87-4955-BF54-308F6A2E8D47}" type="datetimeFigureOut">
               <a:rPr lang="en-US" smtClean="0"/>
-              <a:t>7/19/2021</a:t>
+              <a:t>8/18/2021</a:t>
             </a:fld>
             <a:endParaRPr lang="en-US"/>
           </a:p>
@@ -3369,7 +3378,7 @@
           <a:p>
             <a:fld id="{A3FD3C2E-BA87-4955-BF54-308F6A2E8D47}" type="datetimeFigureOut">
               <a:rPr lang="en-US" smtClean="0"/>
-              <a:t>7/19/2021</a:t>
+              <a:t>8/18/2021</a:t>
             </a:fld>
             <a:endParaRPr lang="en-US"/>
           </a:p>
@@ -3610,7 +3619,7 @@
           <a:p>
             <a:fld id="{A3FD3C2E-BA87-4955-BF54-308F6A2E8D47}" type="datetimeFigureOut">
               <a:rPr lang="en-US" smtClean="0"/>
-              <a:t>7/19/2021</a:t>
+              <a:t>8/18/2021</a:t>
             </a:fld>
             <a:endParaRPr lang="en-US"/>
           </a:p>
@@ -4053,7 +4062,14 @@
           <a:p>
             <a:r>
               <a:rPr lang="en-US" dirty="0"/>
-              <a:t>Building Single Page Applications with </a:t>
+              <a:t>Building Single Page Applications </a:t>
+            </a:r>
+            <a:br>
+              <a:rPr lang="en-US" dirty="0"/>
+            </a:br>
+            <a:r>
+              <a:rPr lang="en-US" dirty="0"/>
+              <a:t>with </a:t>
             </a:r>
             <a:r>
               <a:rPr lang="en-US" dirty="0" err="1"/>
@@ -4105,6 +4121,93 @@
 </file>
 
 <file path=ppt/slides/slide10.xml><?xml version="1.0" encoding="utf-8"?>
+<p:sld xmlns:a="http://schemas.openxmlformats.org/drawingml/2006/main" xmlns:r="http://schemas.openxmlformats.org/officeDocument/2006/relationships" xmlns:p="http://schemas.openxmlformats.org/presentationml/2006/main">
+  <p:cSld>
+    <p:spTree>
+      <p:nvGrpSpPr>
+        <p:cNvPr id="1" name=""/>
+        <p:cNvGrpSpPr/>
+        <p:nvPr/>
+      </p:nvGrpSpPr>
+      <p:grpSpPr>
+        <a:xfrm>
+          <a:off x="0" y="0"/>
+          <a:ext cx="0" cy="0"/>
+          <a:chOff x="0" y="0"/>
+          <a:chExt cx="0" cy="0"/>
+        </a:xfrm>
+      </p:grpSpPr>
+      <p:sp>
+        <p:nvSpPr>
+          <p:cNvPr id="2" name="Title 1">
+            <a:extLst>
+              <a:ext uri="{FF2B5EF4-FFF2-40B4-BE49-F238E27FC236}">
+                <a16:creationId xmlns:a16="http://schemas.microsoft.com/office/drawing/2014/main" id="{B4E20F4B-6D2E-4D1E-847E-13B84827866F}"/>
+              </a:ext>
+            </a:extLst>
+          </p:cNvPr>
+          <p:cNvSpPr>
+            <a:spLocks noGrp="1"/>
+          </p:cNvSpPr>
+          <p:nvPr>
+            <p:ph type="title"/>
+          </p:nvPr>
+        </p:nvSpPr>
+        <p:spPr/>
+        <p:txBody>
+          <a:bodyPr/>
+          <a:lstStyle/>
+          <a:p>
+            <a:r>
+              <a:rPr lang="en-US" dirty="0" err="1"/>
+              <a:t>DevTools</a:t>
+            </a:r>
+            <a:endParaRPr lang="en-US" dirty="0"/>
+          </a:p>
+        </p:txBody>
+      </p:sp>
+      <p:sp>
+        <p:nvSpPr>
+          <p:cNvPr id="3" name="Text Placeholder 2">
+            <a:extLst>
+              <a:ext uri="{FF2B5EF4-FFF2-40B4-BE49-F238E27FC236}">
+                <a16:creationId xmlns:a16="http://schemas.microsoft.com/office/drawing/2014/main" id="{E447AA3B-E760-435A-90F0-FC602D261488}"/>
+              </a:ext>
+            </a:extLst>
+          </p:cNvPr>
+          <p:cNvSpPr>
+            <a:spLocks noGrp="1"/>
+          </p:cNvSpPr>
+          <p:nvPr>
+            <p:ph type="body" idx="1"/>
+          </p:nvPr>
+        </p:nvSpPr>
+        <p:spPr/>
+        <p:txBody>
+          <a:bodyPr/>
+          <a:lstStyle/>
+          <a:p>
+            <a:r>
+              <a:rPr lang="en-US" dirty="0"/>
+              <a:t>https://devtools.vuejs.org/guide/installation.html</a:t>
+            </a:r>
+          </a:p>
+        </p:txBody>
+      </p:sp>
+    </p:spTree>
+    <p:extLst>
+      <p:ext uri="{BB962C8B-B14F-4D97-AF65-F5344CB8AC3E}">
+        <p14:creationId xmlns:p14="http://schemas.microsoft.com/office/powerpoint/2010/main" val="2061522051"/>
+      </p:ext>
+    </p:extLst>
+  </p:cSld>
+  <p:clrMapOvr>
+    <a:masterClrMapping/>
+  </p:clrMapOvr>
+</p:sld>
+</file>
+
+<file path=ppt/slides/slide11.xml><?xml version="1.0" encoding="utf-8"?>
 <p:sld xmlns:a="http://schemas.openxmlformats.org/drawingml/2006/main" xmlns:r="http://schemas.openxmlformats.org/officeDocument/2006/relationships" xmlns:p="http://schemas.openxmlformats.org/presentationml/2006/main">
   <p:cSld>
     <p:spTree>
@@ -4247,7 +4350,7 @@
 </p:sld>
 </file>
 
-<file path=ppt/slides/slide11.xml><?xml version="1.0" encoding="utf-8"?>
+<file path=ppt/slides/slide12.xml><?xml version="1.0" encoding="utf-8"?>
 <p:sld xmlns:a="http://schemas.openxmlformats.org/drawingml/2006/main" xmlns:r="http://schemas.openxmlformats.org/officeDocument/2006/relationships" xmlns:p="http://schemas.openxmlformats.org/presentationml/2006/main">
   <p:cSld>
     <p:spTree>
@@ -4264,6 +4367,148 @@
           <a:chExt cx="0" cy="0"/>
         </a:xfrm>
       </p:grpSpPr>
+      <p:pic>
+        <p:nvPicPr>
+          <p:cNvPr id="5" name="Picture 4">
+            <a:extLst>
+              <a:ext uri="{FF2B5EF4-FFF2-40B4-BE49-F238E27FC236}">
+                <a16:creationId xmlns:a16="http://schemas.microsoft.com/office/drawing/2014/main" id="{F7485212-52A0-402A-9FBA-11DBC91D022C}"/>
+              </a:ext>
+            </a:extLst>
+          </p:cNvPr>
+          <p:cNvPicPr>
+            <a:picLocks noChangeAspect="1"/>
+          </p:cNvPicPr>
+          <p:nvPr/>
+        </p:nvPicPr>
+        <p:blipFill>
+          <a:blip r:embed="rId2"/>
+          <a:stretch>
+            <a:fillRect/>
+          </a:stretch>
+        </p:blipFill>
+        <p:spPr>
+          <a:xfrm>
+            <a:off x="2485521" y="2133419"/>
+            <a:ext cx="7220958" cy="2591162"/>
+          </a:xfrm>
+          <a:prstGeom prst="rect">
+            <a:avLst/>
+          </a:prstGeom>
+          <a:solidFill>
+            <a:srgbClr val="FFFFFF">
+              <a:shade val="85000"/>
+            </a:srgbClr>
+          </a:solidFill>
+          <a:ln w="190500" cap="sq">
+            <a:solidFill>
+              <a:srgbClr val="FFFFFF"/>
+            </a:solidFill>
+            <a:miter lim="800000"/>
+          </a:ln>
+          <a:effectLst>
+            <a:outerShdw blurRad="55000" dist="18000" dir="5400000" algn="tl" rotWithShape="0">
+              <a:srgbClr val="000000">
+                <a:alpha val="40000"/>
+              </a:srgbClr>
+            </a:outerShdw>
+          </a:effectLst>
+          <a:scene3d>
+            <a:camera prst="orthographicFront"/>
+            <a:lightRig rig="twoPt" dir="t">
+              <a:rot lat="0" lon="0" rev="7200000"/>
+            </a:lightRig>
+          </a:scene3d>
+          <a:sp3d>
+            <a:bevelT w="25400" h="19050"/>
+            <a:contourClr>
+              <a:srgbClr val="FFFFFF"/>
+            </a:contourClr>
+          </a:sp3d>
+        </p:spPr>
+      </p:pic>
+      <p:sp>
+        <p:nvSpPr>
+          <p:cNvPr id="6" name="Rectangle 5">
+            <a:extLst>
+              <a:ext uri="{FF2B5EF4-FFF2-40B4-BE49-F238E27FC236}">
+                <a16:creationId xmlns:a16="http://schemas.microsoft.com/office/drawing/2014/main" id="{9EA80487-11B6-4BC2-8CCA-7771ADB2D230}"/>
+              </a:ext>
+            </a:extLst>
+          </p:cNvPr>
+          <p:cNvSpPr/>
+          <p:nvPr/>
+        </p:nvSpPr>
+        <p:spPr>
+          <a:xfrm>
+            <a:off x="4505898" y="4252511"/>
+            <a:ext cx="1211855" cy="483087"/>
+          </a:xfrm>
+          <a:prstGeom prst="rect">
+            <a:avLst/>
+          </a:prstGeom>
+          <a:noFill/>
+          <a:ln w="76200">
+            <a:solidFill>
+              <a:srgbClr val="FF0000"/>
+            </a:solidFill>
+          </a:ln>
+        </p:spPr>
+        <p:style>
+          <a:lnRef idx="2">
+            <a:schemeClr val="accent1">
+              <a:shade val="50000"/>
+            </a:schemeClr>
+          </a:lnRef>
+          <a:fillRef idx="1">
+            <a:schemeClr val="accent1"/>
+          </a:fillRef>
+          <a:effectRef idx="0">
+            <a:schemeClr val="accent1"/>
+          </a:effectRef>
+          <a:fontRef idx="minor">
+            <a:schemeClr val="lt1"/>
+          </a:fontRef>
+        </p:style>
+        <p:txBody>
+          <a:bodyPr rtlCol="0" anchor="ctr"/>
+          <a:lstStyle/>
+          <a:p>
+            <a:pPr algn="ctr"/>
+            <a:endParaRPr lang="en-US"/>
+          </a:p>
+        </p:txBody>
+      </p:sp>
+    </p:spTree>
+    <p:extLst>
+      <p:ext uri="{BB962C8B-B14F-4D97-AF65-F5344CB8AC3E}">
+        <p14:creationId xmlns:p14="http://schemas.microsoft.com/office/powerpoint/2010/main" val="3423595068"/>
+      </p:ext>
+    </p:extLst>
+  </p:cSld>
+  <p:clrMapOvr>
+    <a:masterClrMapping/>
+  </p:clrMapOvr>
+</p:sld>
+</file>
+
+<file path=ppt/slides/slide13.xml><?xml version="1.0" encoding="utf-8"?>
+<p:sld xmlns:a="http://schemas.openxmlformats.org/drawingml/2006/main" xmlns:r="http://schemas.openxmlformats.org/officeDocument/2006/relationships" xmlns:p="http://schemas.openxmlformats.org/presentationml/2006/main">
+  <p:cSld>
+    <p:spTree>
+      <p:nvGrpSpPr>
+        <p:cNvPr id="1" name=""/>
+        <p:cNvGrpSpPr/>
+        <p:nvPr/>
+      </p:nvGrpSpPr>
+      <p:grpSpPr>
+        <a:xfrm>
+          <a:off x="0" y="0"/>
+          <a:ext cx="0" cy="0"/>
+          <a:chOff x="0" y="0"/>
+          <a:chExt cx="0" cy="0"/>
+        </a:xfrm>
+      </p:grpSpPr>
       <p:sp>
         <p:nvSpPr>
           <p:cNvPr id="4" name="Title 3">
@@ -4321,6 +4566,218 @@
     <p:extLst>
       <p:ext uri="{BB962C8B-B14F-4D97-AF65-F5344CB8AC3E}">
         <p14:creationId xmlns:p14="http://schemas.microsoft.com/office/powerpoint/2010/main" val="2413463450"/>
+      </p:ext>
+    </p:extLst>
+  </p:cSld>
+  <p:clrMapOvr>
+    <a:masterClrMapping/>
+  </p:clrMapOvr>
+</p:sld>
+</file>
+
+<file path=ppt/slides/slide14.xml><?xml version="1.0" encoding="utf-8"?>
+<p:sld xmlns:a="http://schemas.openxmlformats.org/drawingml/2006/main" xmlns:r="http://schemas.openxmlformats.org/officeDocument/2006/relationships" xmlns:p="http://schemas.openxmlformats.org/presentationml/2006/main">
+  <p:cSld>
+    <p:spTree>
+      <p:nvGrpSpPr>
+        <p:cNvPr id="1" name=""/>
+        <p:cNvGrpSpPr/>
+        <p:nvPr/>
+      </p:nvGrpSpPr>
+      <p:grpSpPr>
+        <a:xfrm>
+          <a:off x="0" y="0"/>
+          <a:ext cx="0" cy="0"/>
+          <a:chOff x="0" y="0"/>
+          <a:chExt cx="0" cy="0"/>
+        </a:xfrm>
+      </p:grpSpPr>
+      <p:sp>
+        <p:nvSpPr>
+          <p:cNvPr id="2" name="Title 1">
+            <a:extLst>
+              <a:ext uri="{FF2B5EF4-FFF2-40B4-BE49-F238E27FC236}">
+                <a16:creationId xmlns:a16="http://schemas.microsoft.com/office/drawing/2014/main" id="{222BF510-6789-4958-8BF9-67707AB7BCAB}"/>
+              </a:ext>
+            </a:extLst>
+          </p:cNvPr>
+          <p:cNvSpPr>
+            <a:spLocks noGrp="1"/>
+          </p:cNvSpPr>
+          <p:nvPr>
+            <p:ph type="title"/>
+          </p:nvPr>
+        </p:nvSpPr>
+        <p:spPr/>
+        <p:txBody>
+          <a:bodyPr/>
+          <a:lstStyle/>
+          <a:p>
+            <a:r>
+              <a:rPr lang="en-US" dirty="0"/>
+              <a:t>Join the Launch Team</a:t>
+            </a:r>
+          </a:p>
+        </p:txBody>
+      </p:sp>
+      <p:sp>
+        <p:nvSpPr>
+          <p:cNvPr id="3" name="Content Placeholder 2">
+            <a:extLst>
+              <a:ext uri="{FF2B5EF4-FFF2-40B4-BE49-F238E27FC236}">
+                <a16:creationId xmlns:a16="http://schemas.microsoft.com/office/drawing/2014/main" id="{E49CA699-FEB1-45A6-9122-161BAA413FB9}"/>
+              </a:ext>
+            </a:extLst>
+          </p:cNvPr>
+          <p:cNvSpPr>
+            <a:spLocks noGrp="1"/>
+          </p:cNvSpPr>
+          <p:nvPr>
+            <p:ph idx="1"/>
+          </p:nvPr>
+        </p:nvSpPr>
+        <p:spPr/>
+        <p:txBody>
+          <a:bodyPr/>
+          <a:lstStyle/>
+          <a:p>
+            <a:r>
+              <a:rPr lang="en-US" dirty="0"/>
+              <a:t>Coming soon: Building Single Page Applications with </a:t>
+            </a:r>
+            <a:r>
+              <a:rPr lang="en-US" dirty="0" err="1"/>
+              <a:t>VueJS</a:t>
+            </a:r>
+            <a:r>
+              <a:rPr lang="en-US" dirty="0"/>
+              <a:t> and ASP.NET video course</a:t>
+            </a:r>
+          </a:p>
+          <a:p>
+            <a:endParaRPr lang="en-US" dirty="0"/>
+          </a:p>
+          <a:p>
+            <a:r>
+              <a:rPr lang="en-US" dirty="0"/>
+              <a:t>More in depth than this workshop</a:t>
+            </a:r>
+          </a:p>
+          <a:p>
+            <a:r>
+              <a:rPr lang="en-US" dirty="0"/>
+              <a:t>Get free access to the course when it launches!</a:t>
+            </a:r>
+          </a:p>
+          <a:p>
+            <a:endParaRPr lang="en-US" dirty="0"/>
+          </a:p>
+          <a:p>
+            <a:endParaRPr lang="en-US" dirty="0"/>
+          </a:p>
+          <a:p>
+            <a:r>
+              <a:rPr lang="en-US" dirty="0"/>
+              <a:t>Email me: </a:t>
+            </a:r>
+            <a:r>
+              <a:rPr lang="en-US" b="1" dirty="0"/>
+              <a:t>kevin@consultwithgriff.com </a:t>
+            </a:r>
+            <a:r>
+              <a:rPr lang="en-US" dirty="0"/>
+              <a:t>and mention this workshop</a:t>
+            </a:r>
+          </a:p>
+        </p:txBody>
+      </p:sp>
+    </p:spTree>
+    <p:extLst>
+      <p:ext uri="{BB962C8B-B14F-4D97-AF65-F5344CB8AC3E}">
+        <p14:creationId xmlns:p14="http://schemas.microsoft.com/office/powerpoint/2010/main" val="1030236618"/>
+      </p:ext>
+    </p:extLst>
+  </p:cSld>
+  <p:clrMapOvr>
+    <a:masterClrMapping/>
+  </p:clrMapOvr>
+</p:sld>
+</file>
+
+<file path=ppt/slides/slide15.xml><?xml version="1.0" encoding="utf-8"?>
+<p:sld xmlns:a="http://schemas.openxmlformats.org/drawingml/2006/main" xmlns:r="http://schemas.openxmlformats.org/officeDocument/2006/relationships" xmlns:p="http://schemas.openxmlformats.org/presentationml/2006/main">
+  <p:cSld>
+    <p:spTree>
+      <p:nvGrpSpPr>
+        <p:cNvPr id="1" name=""/>
+        <p:cNvGrpSpPr/>
+        <p:nvPr/>
+      </p:nvGrpSpPr>
+      <p:grpSpPr>
+        <a:xfrm>
+          <a:off x="0" y="0"/>
+          <a:ext cx="0" cy="0"/>
+          <a:chOff x="0" y="0"/>
+          <a:chExt cx="0" cy="0"/>
+        </a:xfrm>
+      </p:grpSpPr>
+      <p:sp>
+        <p:nvSpPr>
+          <p:cNvPr id="2" name="Title 1">
+            <a:extLst>
+              <a:ext uri="{FF2B5EF4-FFF2-40B4-BE49-F238E27FC236}">
+                <a16:creationId xmlns:a16="http://schemas.microsoft.com/office/drawing/2014/main" id="{479E208E-FA22-4E8F-B539-74D949B5077F}"/>
+              </a:ext>
+            </a:extLst>
+          </p:cNvPr>
+          <p:cNvSpPr>
+            <a:spLocks noGrp="1"/>
+          </p:cNvSpPr>
+          <p:nvPr>
+            <p:ph type="title"/>
+          </p:nvPr>
+        </p:nvSpPr>
+        <p:spPr/>
+        <p:txBody>
+          <a:bodyPr/>
+          <a:lstStyle/>
+          <a:p>
+            <a:r>
+              <a:rPr lang="en-US" dirty="0"/>
+              <a:t>Break Time</a:t>
+            </a:r>
+          </a:p>
+        </p:txBody>
+      </p:sp>
+      <p:sp>
+        <p:nvSpPr>
+          <p:cNvPr id="3" name="Text Placeholder 2">
+            <a:extLst>
+              <a:ext uri="{FF2B5EF4-FFF2-40B4-BE49-F238E27FC236}">
+                <a16:creationId xmlns:a16="http://schemas.microsoft.com/office/drawing/2014/main" id="{F67A5A81-E8E6-41CF-A202-B6D384AA29EE}"/>
+              </a:ext>
+            </a:extLst>
+          </p:cNvPr>
+          <p:cNvSpPr>
+            <a:spLocks noGrp="1"/>
+          </p:cNvSpPr>
+          <p:nvPr>
+            <p:ph type="body" idx="1"/>
+          </p:nvPr>
+        </p:nvSpPr>
+        <p:spPr/>
+        <p:txBody>
+          <a:bodyPr/>
+          <a:lstStyle/>
+          <a:p>
+            <a:endParaRPr lang="en-US"/>
+          </a:p>
+        </p:txBody>
+      </p:sp>
+    </p:spTree>
+    <p:extLst>
+      <p:ext uri="{BB962C8B-B14F-4D97-AF65-F5344CB8AC3E}">
+        <p14:creationId xmlns:p14="http://schemas.microsoft.com/office/powerpoint/2010/main" val="2541149433"/>
       </p:ext>
     </p:extLst>
   </p:cSld>
@@ -4674,63 +5131,106 @@
           <a:chExt cx="0" cy="0"/>
         </a:xfrm>
       </p:grpSpPr>
-      <p:sp>
-        <p:nvSpPr>
-          <p:cNvPr id="2" name="Title 1">
-            <a:extLst>
-              <a:ext uri="{FF2B5EF4-FFF2-40B4-BE49-F238E27FC236}">
-                <a16:creationId xmlns:a16="http://schemas.microsoft.com/office/drawing/2014/main" id="{716EF889-B814-4B02-87FC-58130E195AF6}"/>
-              </a:ext>
-            </a:extLst>
-          </p:cNvPr>
-          <p:cNvSpPr>
-            <a:spLocks noGrp="1"/>
-          </p:cNvSpPr>
-          <p:nvPr>
-            <p:ph type="title"/>
-          </p:nvPr>
-        </p:nvSpPr>
-        <p:spPr/>
-        <p:txBody>
-          <a:bodyPr/>
-          <a:lstStyle/>
-          <a:p>
-            <a:r>
-              <a:rPr lang="en-US" dirty="0"/>
-              <a:t>Assumptions</a:t>
-            </a:r>
-          </a:p>
-        </p:txBody>
-      </p:sp>
-      <p:sp>
-        <p:nvSpPr>
-          <p:cNvPr id="3" name="Text Placeholder 2">
-            <a:extLst>
-              <a:ext uri="{FF2B5EF4-FFF2-40B4-BE49-F238E27FC236}">
-                <a16:creationId xmlns:a16="http://schemas.microsoft.com/office/drawing/2014/main" id="{153FB269-E4C9-4AB9-9393-98D8A5BB3571}"/>
-              </a:ext>
-            </a:extLst>
-          </p:cNvPr>
-          <p:cNvSpPr>
-            <a:spLocks noGrp="1"/>
-          </p:cNvSpPr>
-          <p:nvPr>
-            <p:ph type="body" idx="1"/>
-          </p:nvPr>
-        </p:nvSpPr>
-        <p:spPr/>
-        <p:txBody>
-          <a:bodyPr/>
-          <a:lstStyle/>
-          <a:p>
-            <a:endParaRPr lang="en-US" dirty="0"/>
+      <p:pic>
+        <p:nvPicPr>
+          <p:cNvPr id="4" name="Picture 3">
+            <a:extLst>
+              <a:ext uri="{FF2B5EF4-FFF2-40B4-BE49-F238E27FC236}">
+                <a16:creationId xmlns:a16="http://schemas.microsoft.com/office/drawing/2014/main" id="{5097BAE9-83CB-4B86-95A3-FA43B47AB364}"/>
+              </a:ext>
+            </a:extLst>
+          </p:cNvPr>
+          <p:cNvPicPr>
+            <a:picLocks noChangeAspect="1"/>
+          </p:cNvPicPr>
+          <p:nvPr/>
+        </p:nvPicPr>
+        <p:blipFill>
+          <a:blip r:embed="rId2"/>
+          <a:stretch>
+            <a:fillRect/>
+          </a:stretch>
+        </p:blipFill>
+        <p:spPr>
+          <a:xfrm>
+            <a:off x="0" y="0"/>
+            <a:ext cx="12644659" cy="6928931"/>
+          </a:xfrm>
+          <a:prstGeom prst="rect">
+            <a:avLst/>
+          </a:prstGeom>
+        </p:spPr>
+      </p:pic>
+      <p:sp>
+        <p:nvSpPr>
+          <p:cNvPr id="9" name="Rectangle 8">
+            <a:extLst>
+              <a:ext uri="{FF2B5EF4-FFF2-40B4-BE49-F238E27FC236}">
+                <a16:creationId xmlns:a16="http://schemas.microsoft.com/office/drawing/2014/main" id="{BF92397F-E8EC-4BC0-AE4E-64BB743E0E10}"/>
+              </a:ext>
+            </a:extLst>
+          </p:cNvPr>
+          <p:cNvSpPr/>
+          <p:nvPr/>
+        </p:nvSpPr>
+        <p:spPr>
+          <a:xfrm>
+            <a:off x="1939380" y="5642062"/>
+            <a:ext cx="8313238" cy="923330"/>
+          </a:xfrm>
+          <a:prstGeom prst="rect">
+            <a:avLst/>
+          </a:prstGeom>
+        </p:spPr>
+        <p:style>
+          <a:lnRef idx="2">
+            <a:schemeClr val="accent6"/>
+          </a:lnRef>
+          <a:fillRef idx="1">
+            <a:schemeClr val="lt1"/>
+          </a:fillRef>
+          <a:effectRef idx="0">
+            <a:schemeClr val="accent6"/>
+          </a:effectRef>
+          <a:fontRef idx="minor">
+            <a:schemeClr val="dk1"/>
+          </a:fontRef>
+        </p:style>
+        <p:txBody>
+          <a:bodyPr wrap="none" lIns="91440" tIns="45720" rIns="91440" bIns="45720">
+            <a:spAutoFit/>
+            <a:scene3d>
+              <a:camera prst="orthographicFront"/>
+              <a:lightRig rig="harsh" dir="t"/>
+            </a:scene3d>
+            <a:sp3d extrusionH="57150" prstMaterial="matte">
+              <a:bevelT w="63500" h="12700" prst="angle"/>
+              <a:contourClr>
+                <a:schemeClr val="bg1">
+                  <a:lumMod val="65000"/>
+                </a:schemeClr>
+              </a:contourClr>
+            </a:sp3d>
+          </a:bodyPr>
+          <a:lstStyle/>
+          <a:p>
+            <a:pPr algn="ctr"/>
+            <a:r>
+              <a:rPr lang="en-US" sz="5400" b="1" dirty="0">
+                <a:ln/>
+                <a:solidFill>
+                  <a:schemeClr val="accent3"/>
+                </a:solidFill>
+              </a:rPr>
+              <a:t>https://SignalRMastery.com</a:t>
+            </a:r>
           </a:p>
         </p:txBody>
       </p:sp>
     </p:spTree>
     <p:extLst>
       <p:ext uri="{BB962C8B-B14F-4D97-AF65-F5344CB8AC3E}">
-        <p14:creationId xmlns:p14="http://schemas.microsoft.com/office/powerpoint/2010/main" val="4071780555"/>
+        <p14:creationId xmlns:p14="http://schemas.microsoft.com/office/powerpoint/2010/main" val="4279958738"/>
       </p:ext>
     </p:extLst>
   </p:cSld>
@@ -4762,7 +5262,7 @@
           <p:cNvPr id="2" name="Title 1">
             <a:extLst>
               <a:ext uri="{FF2B5EF4-FFF2-40B4-BE49-F238E27FC236}">
-                <a16:creationId xmlns:a16="http://schemas.microsoft.com/office/drawing/2014/main" id="{B0B2B97C-B742-49CF-BEE3-8FFA39D5BD39}"/>
+                <a16:creationId xmlns:a16="http://schemas.microsoft.com/office/drawing/2014/main" id="{716EF889-B814-4B02-87FC-58130E195AF6}"/>
               </a:ext>
             </a:extLst>
           </p:cNvPr>
@@ -4787,49 +5287,33 @@
       </p:sp>
       <p:sp>
         <p:nvSpPr>
-          <p:cNvPr id="3" name="Content Placeholder 2">
-            <a:extLst>
-              <a:ext uri="{FF2B5EF4-FFF2-40B4-BE49-F238E27FC236}">
-                <a16:creationId xmlns:a16="http://schemas.microsoft.com/office/drawing/2014/main" id="{A74FBE35-B667-4C3A-A6BD-376C40575A37}"/>
-              </a:ext>
-            </a:extLst>
-          </p:cNvPr>
-          <p:cNvSpPr>
-            <a:spLocks noGrp="1"/>
-          </p:cNvSpPr>
-          <p:nvPr>
-            <p:ph idx="1"/>
-          </p:nvPr>
-        </p:nvSpPr>
-        <p:spPr/>
-        <p:txBody>
-          <a:bodyPr/>
-          <a:lstStyle/>
-          <a:p>
-            <a:r>
-              <a:rPr lang="en-US" dirty="0"/>
-              <a:t>Existing knowledge of HTML, JavaScript, and CSS</a:t>
-            </a:r>
-          </a:p>
-          <a:p>
-            <a:r>
-              <a:rPr lang="en-US" dirty="0"/>
-              <a:t>Existing knowledge of C# </a:t>
-            </a:r>
-          </a:p>
-          <a:p>
-            <a:pPr lvl="1"/>
-            <a:r>
-              <a:rPr lang="en-US" dirty="0"/>
-              <a:t>Not necessarily building applications ASP.NET Core</a:t>
-            </a:r>
+          <p:cNvPr id="3" name="Text Placeholder 2">
+            <a:extLst>
+              <a:ext uri="{FF2B5EF4-FFF2-40B4-BE49-F238E27FC236}">
+                <a16:creationId xmlns:a16="http://schemas.microsoft.com/office/drawing/2014/main" id="{153FB269-E4C9-4AB9-9393-98D8A5BB3571}"/>
+              </a:ext>
+            </a:extLst>
+          </p:cNvPr>
+          <p:cNvSpPr>
+            <a:spLocks noGrp="1"/>
+          </p:cNvSpPr>
+          <p:nvPr>
+            <p:ph type="body" idx="1"/>
+          </p:nvPr>
+        </p:nvSpPr>
+        <p:spPr/>
+        <p:txBody>
+          <a:bodyPr/>
+          <a:lstStyle/>
+          <a:p>
+            <a:endParaRPr lang="en-US" dirty="0"/>
           </a:p>
         </p:txBody>
       </p:sp>
     </p:spTree>
     <p:extLst>
       <p:ext uri="{BB962C8B-B14F-4D97-AF65-F5344CB8AC3E}">
-        <p14:creationId xmlns:p14="http://schemas.microsoft.com/office/powerpoint/2010/main" val="782317932"/>
+        <p14:creationId xmlns:p14="http://schemas.microsoft.com/office/powerpoint/2010/main" val="4071780555"/>
       </p:ext>
     </p:extLst>
   </p:cSld>
@@ -4858,10 +5342,10 @@
       </p:grpSpPr>
       <p:sp>
         <p:nvSpPr>
-          <p:cNvPr id="4" name="Title 3">
-            <a:extLst>
-              <a:ext uri="{FF2B5EF4-FFF2-40B4-BE49-F238E27FC236}">
-                <a16:creationId xmlns:a16="http://schemas.microsoft.com/office/drawing/2014/main" id="{8FD1ACF2-31EA-4374-A46D-A8E90F6DAA0C}"/>
+          <p:cNvPr id="2" name="Title 1">
+            <a:extLst>
+              <a:ext uri="{FF2B5EF4-FFF2-40B4-BE49-F238E27FC236}">
+                <a16:creationId xmlns:a16="http://schemas.microsoft.com/office/drawing/2014/main" id="{B0B2B97C-B742-49CF-BEE3-8FFA39D5BD39}"/>
               </a:ext>
             </a:extLst>
           </p:cNvPr>
@@ -4879,40 +5363,70 @@
           <a:p>
             <a:r>
               <a:rPr lang="en-US" dirty="0"/>
-              <a:t>Exercise Structure</a:t>
-            </a:r>
-          </a:p>
-        </p:txBody>
-      </p:sp>
-      <p:sp>
-        <p:nvSpPr>
-          <p:cNvPr id="5" name="Text Placeholder 4">
-            <a:extLst>
-              <a:ext uri="{FF2B5EF4-FFF2-40B4-BE49-F238E27FC236}">
-                <a16:creationId xmlns:a16="http://schemas.microsoft.com/office/drawing/2014/main" id="{6DB4AE16-1700-4E9A-B599-BA2D12EB5FB5}"/>
-              </a:ext>
-            </a:extLst>
-          </p:cNvPr>
-          <p:cNvSpPr>
-            <a:spLocks noGrp="1"/>
-          </p:cNvSpPr>
-          <p:nvPr>
-            <p:ph type="body" idx="1"/>
-          </p:nvPr>
-        </p:nvSpPr>
-        <p:spPr/>
-        <p:txBody>
-          <a:bodyPr/>
-          <a:lstStyle/>
-          <a:p>
-            <a:endParaRPr lang="en-US"/>
+              <a:t>Assumptions</a:t>
+            </a:r>
+          </a:p>
+        </p:txBody>
+      </p:sp>
+      <p:sp>
+        <p:nvSpPr>
+          <p:cNvPr id="3" name="Content Placeholder 2">
+            <a:extLst>
+              <a:ext uri="{FF2B5EF4-FFF2-40B4-BE49-F238E27FC236}">
+                <a16:creationId xmlns:a16="http://schemas.microsoft.com/office/drawing/2014/main" id="{A74FBE35-B667-4C3A-A6BD-376C40575A37}"/>
+              </a:ext>
+            </a:extLst>
+          </p:cNvPr>
+          <p:cNvSpPr>
+            <a:spLocks noGrp="1"/>
+          </p:cNvSpPr>
+          <p:nvPr>
+            <p:ph idx="1"/>
+          </p:nvPr>
+        </p:nvSpPr>
+        <p:spPr/>
+        <p:txBody>
+          <a:bodyPr/>
+          <a:lstStyle/>
+          <a:p>
+            <a:r>
+              <a:rPr lang="en-US" dirty="0"/>
+              <a:t>Existing knowledge of HTML, JavaScript, and CSS</a:t>
+            </a:r>
+          </a:p>
+          <a:p>
+            <a:pPr lvl="1"/>
+            <a:r>
+              <a:rPr lang="en-US" dirty="0"/>
+              <a:t>Not necessarily building applications with Vue</a:t>
+            </a:r>
+          </a:p>
+          <a:p>
+            <a:pPr lvl="1"/>
+            <a:r>
+              <a:rPr lang="en-US" dirty="0"/>
+              <a:t>Maybe experience with Angular or React</a:t>
+            </a:r>
+          </a:p>
+          <a:p>
+            <a:r>
+              <a:rPr lang="en-US" dirty="0"/>
+              <a:t>Existing knowledge of C# </a:t>
+            </a:r>
+          </a:p>
+          <a:p>
+            <a:pPr lvl="1"/>
+            <a:r>
+              <a:rPr lang="en-US" dirty="0"/>
+              <a:t>Not necessarily building applications ASP.NET Core</a:t>
+            </a:r>
           </a:p>
         </p:txBody>
       </p:sp>
     </p:spTree>
     <p:extLst>
       <p:ext uri="{BB962C8B-B14F-4D97-AF65-F5344CB8AC3E}">
-        <p14:creationId xmlns:p14="http://schemas.microsoft.com/office/powerpoint/2010/main" val="624980098"/>
+        <p14:creationId xmlns:p14="http://schemas.microsoft.com/office/powerpoint/2010/main" val="782317932"/>
       </p:ext>
     </p:extLst>
   </p:cSld>
@@ -4962,7 +5476,7 @@
           <a:p>
             <a:r>
               <a:rPr lang="en-US" dirty="0"/>
-              <a:t>Breaks</a:t>
+              <a:t>Exercise Structure</a:t>
             </a:r>
           </a:p>
         </p:txBody>
@@ -4995,7 +5509,7 @@
     </p:spTree>
     <p:extLst>
       <p:ext uri="{BB962C8B-B14F-4D97-AF65-F5344CB8AC3E}">
-        <p14:creationId xmlns:p14="http://schemas.microsoft.com/office/powerpoint/2010/main" val="2312313726"/>
+        <p14:creationId xmlns:p14="http://schemas.microsoft.com/office/powerpoint/2010/main" val="624980098"/>
       </p:ext>
     </p:extLst>
   </p:cSld>
@@ -5045,7 +5559,7 @@
           <a:p>
             <a:r>
               <a:rPr lang="en-US" dirty="0"/>
-              <a:t>GitHub</a:t>
+              <a:t>Breaks</a:t>
             </a:r>
           </a:p>
         </p:txBody>
@@ -5078,7 +5592,7 @@
     </p:spTree>
     <p:extLst>
       <p:ext uri="{BB962C8B-B14F-4D97-AF65-F5344CB8AC3E}">
-        <p14:creationId xmlns:p14="http://schemas.microsoft.com/office/powerpoint/2010/main" val="3146111782"/>
+        <p14:creationId xmlns:p14="http://schemas.microsoft.com/office/powerpoint/2010/main" val="2312313726"/>
       </p:ext>
     </p:extLst>
   </p:cSld>
@@ -5107,10 +5621,10 @@
       </p:grpSpPr>
       <p:sp>
         <p:nvSpPr>
-          <p:cNvPr id="2" name="Title 1">
-            <a:extLst>
-              <a:ext uri="{FF2B5EF4-FFF2-40B4-BE49-F238E27FC236}">
-                <a16:creationId xmlns:a16="http://schemas.microsoft.com/office/drawing/2014/main" id="{B4E20F4B-6D2E-4D1E-847E-13B84827866F}"/>
+          <p:cNvPr id="4" name="Title 3">
+            <a:extLst>
+              <a:ext uri="{FF2B5EF4-FFF2-40B4-BE49-F238E27FC236}">
+                <a16:creationId xmlns:a16="http://schemas.microsoft.com/office/drawing/2014/main" id="{8FD1ACF2-31EA-4374-A46D-A8E90F6DAA0C}"/>
               </a:ext>
             </a:extLst>
           </p:cNvPr>
@@ -5127,19 +5641,18 @@
           <a:lstStyle/>
           <a:p>
             <a:r>
-              <a:rPr lang="en-US" dirty="0" err="1"/>
-              <a:t>DevTools</a:t>
-            </a:r>
-            <a:endParaRPr lang="en-US" dirty="0"/>
-          </a:p>
-        </p:txBody>
-      </p:sp>
-      <p:sp>
-        <p:nvSpPr>
-          <p:cNvPr id="3" name="Text Placeholder 2">
-            <a:extLst>
-              <a:ext uri="{FF2B5EF4-FFF2-40B4-BE49-F238E27FC236}">
-                <a16:creationId xmlns:a16="http://schemas.microsoft.com/office/drawing/2014/main" id="{E447AA3B-E760-435A-90F0-FC602D261488}"/>
+              <a:rPr lang="en-US" dirty="0"/>
+              <a:t>GitHub</a:t>
+            </a:r>
+          </a:p>
+        </p:txBody>
+      </p:sp>
+      <p:sp>
+        <p:nvSpPr>
+          <p:cNvPr id="5" name="Text Placeholder 4">
+            <a:extLst>
+              <a:ext uri="{FF2B5EF4-FFF2-40B4-BE49-F238E27FC236}">
+                <a16:creationId xmlns:a16="http://schemas.microsoft.com/office/drawing/2014/main" id="{6DB4AE16-1700-4E9A-B599-BA2D12EB5FB5}"/>
               </a:ext>
             </a:extLst>
           </p:cNvPr>
@@ -5155,14 +5668,17 @@
           <a:bodyPr/>
           <a:lstStyle/>
           <a:p>
-            <a:endParaRPr lang="en-US"/>
+            <a:r>
+              <a:rPr lang="en-US" dirty="0"/>
+              <a:t>http://go.consultwithgriff.com/ws-aspnet-vue</a:t>
+            </a:r>
           </a:p>
         </p:txBody>
       </p:sp>
     </p:spTree>
     <p:extLst>
       <p:ext uri="{BB962C8B-B14F-4D97-AF65-F5344CB8AC3E}">
-        <p14:creationId xmlns:p14="http://schemas.microsoft.com/office/powerpoint/2010/main" val="2061522051"/>
+        <p14:creationId xmlns:p14="http://schemas.microsoft.com/office/powerpoint/2010/main" val="3146111782"/>
       </p:ext>
     </p:extLst>
   </p:cSld>
